--- a/RequirementAuction.pptx
+++ b/RequirementAuction.pptx
@@ -2996,20 +2996,12 @@
               <a:rPr lang="en-US" b="1" dirty="0" smtClean="0"/>
               <a:t>Requirement </a:t>
             </a:r>
-            <a:r>
-              <a:rPr lang="en-US" b="1" dirty="0" smtClean="0"/>
-              <a:t/>
-            </a:r>
             <a:br>
               <a:rPr lang="en-US" b="1" dirty="0" smtClean="0"/>
             </a:br>
             <a:r>
               <a:rPr lang="en-US" b="1" dirty="0" smtClean="0"/>
-              <a:t>for </a:t>
-            </a:r>
-            <a:r>
-              <a:rPr lang="en-US" b="1" dirty="0" smtClean="0"/>
-              <a:t>Project Auction</a:t>
+              <a:t>for Project Auction</a:t>
             </a:r>
             <a:endParaRPr lang="en-US" b="1" dirty="0"/>
           </a:p>
@@ -3517,11 +3509,7 @@
             <a:p>
               <a:r>
                 <a:rPr lang="en-US" sz="1400" dirty="0" smtClean="0"/>
-                <a:t>: </a:t>
-              </a:r>
-              <a:r>
-                <a:rPr lang="en-US" sz="1400" dirty="0" smtClean="0"/>
-                <a:t>create Participant</a:t>
+                <a:t>: create Participant</a:t>
               </a:r>
               <a:endParaRPr lang="en-US" sz="1400" dirty="0"/>
             </a:p>
@@ -4328,7 +4316,15 @@
             </a:r>
             <a:r>
               <a:rPr lang="en-US" sz="1600" dirty="0" smtClean="0"/>
-              <a:t>Offer| Price: 50$</a:t>
+              <a:t>Offer| </a:t>
+            </a:r>
+            <a:r>
+              <a:rPr lang="en-US" sz="1600" dirty="0" err="1" smtClean="0"/>
+              <a:t>BidPrice</a:t>
+            </a:r>
+            <a:r>
+              <a:rPr lang="en-US" sz="1600" dirty="0" smtClean="0"/>
+              <a:t>: 50$</a:t>
             </a:r>
             <a:endParaRPr lang="en-US" sz="1600" dirty="0"/>
           </a:p>
@@ -4343,7 +4339,7 @@
         <p:spPr>
           <a:xfrm>
             <a:off x="6135080" y="4649081"/>
-            <a:ext cx="1999776" cy="338554"/>
+            <a:ext cx="2192138" cy="338554"/>
           </a:xfrm>
           <a:prstGeom prst="rect">
             <a:avLst/>
@@ -4366,7 +4362,15 @@
             </a:r>
             <a:r>
               <a:rPr lang="en-US" sz="1600" dirty="0" smtClean="0"/>
-              <a:t>Offer| Price: 100$</a:t>
+              <a:t>Offer| </a:t>
+            </a:r>
+            <a:r>
+              <a:rPr lang="en-US" sz="1600" dirty="0" err="1" smtClean="0"/>
+              <a:t>BidPrice</a:t>
+            </a:r>
+            <a:r>
+              <a:rPr lang="en-US" sz="1600" dirty="0" smtClean="0"/>
+              <a:t>: 100$</a:t>
             </a:r>
             <a:endParaRPr lang="en-US" sz="1600" dirty="0"/>
           </a:p>
@@ -4381,7 +4385,7 @@
         <p:spPr>
           <a:xfrm>
             <a:off x="7177902" y="4155490"/>
-            <a:ext cx="1999776" cy="338554"/>
+            <a:ext cx="2093866" cy="338554"/>
           </a:xfrm>
           <a:prstGeom prst="rect">
             <a:avLst/>
@@ -4404,7 +4408,15 @@
             </a:r>
             <a:r>
               <a:rPr lang="en-US" sz="1600" dirty="0" smtClean="0"/>
-              <a:t>Offer| Price: 150$</a:t>
+              <a:t>Offer| </a:t>
+            </a:r>
+            <a:r>
+              <a:rPr lang="en-US" sz="1600" dirty="0" err="1" smtClean="0"/>
+              <a:t>BidPrice</a:t>
+            </a:r>
+            <a:r>
+              <a:rPr lang="en-US" sz="1600" dirty="0" smtClean="0"/>
+              <a:t>: 150$</a:t>
             </a:r>
             <a:endParaRPr lang="en-US" sz="1600" dirty="0"/>
           </a:p>
@@ -6421,7 +6433,6 @@
               <a:rPr lang="en-US" dirty="0" smtClean="0"/>
               <a:t>Seller</a:t>
             </a:r>
-            <a:endParaRPr lang="en-US" dirty="0" smtClean="0"/>
           </a:p>
           <a:p>
             <a:pPr lvl="1"/>

--- a/RequirementAuction.pptx
+++ b/RequirementAuction.pptx
@@ -8,7 +8,8 @@
     <p:sldId id="259" r:id="rId2"/>
     <p:sldId id="256" r:id="rId3"/>
     <p:sldId id="257" r:id="rId4"/>
-    <p:sldId id="258" r:id="rId5"/>
+    <p:sldId id="260" r:id="rId5"/>
+    <p:sldId id="258" r:id="rId6"/>
   </p:sldIdLst>
   <p:sldSz cx="12192000" cy="6858000"/>
   <p:notesSz cx="6858000" cy="9144000"/>
@@ -246,7 +247,7 @@
           <a:p>
             <a:fld id="{E4A172A4-B8FD-4B7D-8039-6AD649B6D5FA}" type="datetimeFigureOut">
               <a:rPr lang="en-US" smtClean="0"/>
-              <a:t>8/29/2018</a:t>
+              <a:t>8/30/2018</a:t>
             </a:fld>
             <a:endParaRPr lang="en-US"/>
           </a:p>
@@ -416,7 +417,7 @@
           <a:p>
             <a:fld id="{E4A172A4-B8FD-4B7D-8039-6AD649B6D5FA}" type="datetimeFigureOut">
               <a:rPr lang="en-US" smtClean="0"/>
-              <a:t>8/29/2018</a:t>
+              <a:t>8/30/2018</a:t>
             </a:fld>
             <a:endParaRPr lang="en-US"/>
           </a:p>
@@ -596,7 +597,7 @@
           <a:p>
             <a:fld id="{E4A172A4-B8FD-4B7D-8039-6AD649B6D5FA}" type="datetimeFigureOut">
               <a:rPr lang="en-US" smtClean="0"/>
-              <a:t>8/29/2018</a:t>
+              <a:t>8/30/2018</a:t>
             </a:fld>
             <a:endParaRPr lang="en-US"/>
           </a:p>
@@ -766,7 +767,7 @@
           <a:p>
             <a:fld id="{E4A172A4-B8FD-4B7D-8039-6AD649B6D5FA}" type="datetimeFigureOut">
               <a:rPr lang="en-US" smtClean="0"/>
-              <a:t>8/29/2018</a:t>
+              <a:t>8/30/2018</a:t>
             </a:fld>
             <a:endParaRPr lang="en-US"/>
           </a:p>
@@ -1012,7 +1013,7 @@
           <a:p>
             <a:fld id="{E4A172A4-B8FD-4B7D-8039-6AD649B6D5FA}" type="datetimeFigureOut">
               <a:rPr lang="en-US" smtClean="0"/>
-              <a:t>8/29/2018</a:t>
+              <a:t>8/30/2018</a:t>
             </a:fld>
             <a:endParaRPr lang="en-US"/>
           </a:p>
@@ -1244,7 +1245,7 @@
           <a:p>
             <a:fld id="{E4A172A4-B8FD-4B7D-8039-6AD649B6D5FA}" type="datetimeFigureOut">
               <a:rPr lang="en-US" smtClean="0"/>
-              <a:t>8/29/2018</a:t>
+              <a:t>8/30/2018</a:t>
             </a:fld>
             <a:endParaRPr lang="en-US"/>
           </a:p>
@@ -1611,7 +1612,7 @@
           <a:p>
             <a:fld id="{E4A172A4-B8FD-4B7D-8039-6AD649B6D5FA}" type="datetimeFigureOut">
               <a:rPr lang="en-US" smtClean="0"/>
-              <a:t>8/29/2018</a:t>
+              <a:t>8/30/2018</a:t>
             </a:fld>
             <a:endParaRPr lang="en-US"/>
           </a:p>
@@ -1729,7 +1730,7 @@
           <a:p>
             <a:fld id="{E4A172A4-B8FD-4B7D-8039-6AD649B6D5FA}" type="datetimeFigureOut">
               <a:rPr lang="en-US" smtClean="0"/>
-              <a:t>8/29/2018</a:t>
+              <a:t>8/30/2018</a:t>
             </a:fld>
             <a:endParaRPr lang="en-US"/>
           </a:p>
@@ -1824,7 +1825,7 @@
           <a:p>
             <a:fld id="{E4A172A4-B8FD-4B7D-8039-6AD649B6D5FA}" type="datetimeFigureOut">
               <a:rPr lang="en-US" smtClean="0"/>
-              <a:t>8/29/2018</a:t>
+              <a:t>8/30/2018</a:t>
             </a:fld>
             <a:endParaRPr lang="en-US"/>
           </a:p>
@@ -2101,7 +2102,7 @@
           <a:p>
             <a:fld id="{E4A172A4-B8FD-4B7D-8039-6AD649B6D5FA}" type="datetimeFigureOut">
               <a:rPr lang="en-US" smtClean="0"/>
-              <a:t>8/29/2018</a:t>
+              <a:t>8/30/2018</a:t>
             </a:fld>
             <a:endParaRPr lang="en-US"/>
           </a:p>
@@ -2354,7 +2355,7 @@
           <a:p>
             <a:fld id="{E4A172A4-B8FD-4B7D-8039-6AD649B6D5FA}" type="datetimeFigureOut">
               <a:rPr lang="en-US" smtClean="0"/>
-              <a:t>8/29/2018</a:t>
+              <a:t>8/30/2018</a:t>
             </a:fld>
             <a:endParaRPr lang="en-US"/>
           </a:p>
@@ -2567,7 +2568,7 @@
           <a:p>
             <a:fld id="{E4A172A4-B8FD-4B7D-8039-6AD649B6D5FA}" type="datetimeFigureOut">
               <a:rPr lang="en-US" smtClean="0"/>
-              <a:t>8/29/2018</a:t>
+              <a:t>8/30/2018</a:t>
             </a:fld>
             <a:endParaRPr lang="en-US"/>
           </a:p>
@@ -6370,6 +6371,1656 @@
           <a:chExt cx="0" cy="0"/>
         </a:xfrm>
       </p:grpSpPr>
+      <p:grpSp>
+        <p:nvGrpSpPr>
+          <p:cNvPr id="26" name="Group 25"/>
+          <p:cNvGrpSpPr/>
+          <p:nvPr/>
+        </p:nvGrpSpPr>
+        <p:grpSpPr>
+          <a:xfrm>
+            <a:off x="1508556" y="3270877"/>
+            <a:ext cx="1809345" cy="1115439"/>
+            <a:chOff x="9980577" y="1952016"/>
+            <a:chExt cx="1517516" cy="1115439"/>
+          </a:xfrm>
+        </p:grpSpPr>
+        <p:grpSp>
+          <p:nvGrpSpPr>
+            <p:cNvPr id="8" name="Group 7"/>
+            <p:cNvGrpSpPr/>
+            <p:nvPr/>
+          </p:nvGrpSpPr>
+          <p:grpSpPr>
+            <a:xfrm>
+              <a:off x="9980577" y="1952016"/>
+              <a:ext cx="1517516" cy="1115439"/>
+              <a:chOff x="1225684" y="732816"/>
+              <a:chExt cx="1517516" cy="1342417"/>
+            </a:xfrm>
+          </p:grpSpPr>
+          <p:sp>
+            <p:nvSpPr>
+              <p:cNvPr id="5" name="Rounded Rectangle 4"/>
+              <p:cNvSpPr/>
+              <p:nvPr/>
+            </p:nvSpPr>
+            <p:spPr>
+              <a:xfrm>
+                <a:off x="1225685" y="732816"/>
+                <a:ext cx="1517515" cy="1342417"/>
+              </a:xfrm>
+              <a:prstGeom prst="roundRect">
+                <a:avLst/>
+              </a:prstGeom>
+            </p:spPr>
+            <p:style>
+              <a:lnRef idx="1">
+                <a:schemeClr val="accent5"/>
+              </a:lnRef>
+              <a:fillRef idx="2">
+                <a:schemeClr val="accent5"/>
+              </a:fillRef>
+              <a:effectRef idx="1">
+                <a:schemeClr val="accent5"/>
+              </a:effectRef>
+              <a:fontRef idx="minor">
+                <a:schemeClr val="dk1"/>
+              </a:fontRef>
+            </p:style>
+            <p:txBody>
+              <a:bodyPr rtlCol="0" anchor="ctr"/>
+              <a:lstStyle/>
+              <a:p>
+                <a:endParaRPr lang="en-US" sz="1100" dirty="0" smtClean="0"/>
+              </a:p>
+              <a:p>
+                <a:r>
+                  <a:rPr lang="en-US" sz="1100" dirty="0" smtClean="0"/>
+                  <a:t>String </a:t>
+                </a:r>
+                <a:r>
+                  <a:rPr lang="en-US" sz="1100" dirty="0" err="1" smtClean="0"/>
+                  <a:t>productId</a:t>
+                </a:r>
+                <a:endParaRPr lang="en-US" sz="1100" dirty="0" smtClean="0"/>
+              </a:p>
+              <a:p>
+                <a:r>
+                  <a:rPr lang="en-US" sz="1100" dirty="0" smtClean="0"/>
+                  <a:t>String description</a:t>
+                </a:r>
+              </a:p>
+              <a:p>
+                <a:r>
+                  <a:rPr lang="en-US" sz="1100" dirty="0" smtClean="0">
+                    <a:sym typeface="Wingdings" panose="05000000000000000000" pitchFamily="2" charset="2"/>
+                  </a:rPr>
+                  <a:t> User owner</a:t>
+                </a:r>
+                <a:endParaRPr lang="en-US" sz="1100" dirty="0"/>
+              </a:p>
+            </p:txBody>
+          </p:sp>
+          <p:sp>
+            <p:nvSpPr>
+              <p:cNvPr id="4" name="Rounded Rectangle 3"/>
+              <p:cNvSpPr/>
+              <p:nvPr/>
+            </p:nvSpPr>
+            <p:spPr>
+              <a:xfrm>
+                <a:off x="1225684" y="732817"/>
+                <a:ext cx="1517515" cy="324255"/>
+              </a:xfrm>
+              <a:prstGeom prst="roundRect">
+                <a:avLst/>
+              </a:prstGeom>
+            </p:spPr>
+            <p:style>
+              <a:lnRef idx="1">
+                <a:schemeClr val="accent5"/>
+              </a:lnRef>
+              <a:fillRef idx="2">
+                <a:schemeClr val="accent5"/>
+              </a:fillRef>
+              <a:effectRef idx="1">
+                <a:schemeClr val="accent5"/>
+              </a:effectRef>
+              <a:fontRef idx="minor">
+                <a:schemeClr val="dk1"/>
+              </a:fontRef>
+            </p:style>
+            <p:txBody>
+              <a:bodyPr rtlCol="0" anchor="ctr"/>
+              <a:lstStyle/>
+              <a:p>
+                <a:pPr algn="ctr"/>
+                <a:r>
+                  <a:rPr lang="en-US" sz="1400" dirty="0" smtClean="0"/>
+                  <a:t>Product</a:t>
+                </a:r>
+                <a:endParaRPr lang="en-US" sz="1400" dirty="0"/>
+              </a:p>
+            </p:txBody>
+          </p:sp>
+        </p:grpSp>
+        <p:pic>
+          <p:nvPicPr>
+            <p:cNvPr id="15" name="Picture 14"/>
+            <p:cNvPicPr>
+              <a:picLocks noChangeAspect="1"/>
+            </p:cNvPicPr>
+            <p:nvPr/>
+          </p:nvPicPr>
+          <p:blipFill>
+            <a:blip r:embed="rId2" cstate="print">
+              <a:extLst>
+                <a:ext uri="{28A0092B-C50C-407E-A947-70E740481C1C}">
+                  <a14:useLocalDpi xmlns:a14="http://schemas.microsoft.com/office/drawing/2010/main" val="0"/>
+                </a:ext>
+              </a:extLst>
+            </a:blip>
+            <a:stretch>
+              <a:fillRect/>
+            </a:stretch>
+          </p:blipFill>
+          <p:spPr>
+            <a:xfrm>
+              <a:off x="10808379" y="2350195"/>
+              <a:ext cx="369854" cy="177417"/>
+            </a:xfrm>
+            <a:prstGeom prst="rect">
+              <a:avLst/>
+            </a:prstGeom>
+          </p:spPr>
+        </p:pic>
+      </p:grpSp>
+      <p:grpSp>
+        <p:nvGrpSpPr>
+          <p:cNvPr id="24" name="Group 23"/>
+          <p:cNvGrpSpPr/>
+          <p:nvPr/>
+        </p:nvGrpSpPr>
+        <p:grpSpPr>
+          <a:xfrm>
+            <a:off x="1508556" y="752270"/>
+            <a:ext cx="1809346" cy="1926077"/>
+            <a:chOff x="3022057" y="453033"/>
+            <a:chExt cx="1809346" cy="1926077"/>
+          </a:xfrm>
+        </p:grpSpPr>
+        <p:grpSp>
+          <p:nvGrpSpPr>
+            <p:cNvPr id="9" name="Group 8"/>
+            <p:cNvGrpSpPr/>
+            <p:nvPr/>
+          </p:nvGrpSpPr>
+          <p:grpSpPr>
+            <a:xfrm>
+              <a:off x="3022057" y="453033"/>
+              <a:ext cx="1809346" cy="1926077"/>
+              <a:chOff x="1225684" y="732816"/>
+              <a:chExt cx="1517516" cy="1342417"/>
+            </a:xfrm>
+          </p:grpSpPr>
+          <p:sp>
+            <p:nvSpPr>
+              <p:cNvPr id="10" name="Rounded Rectangle 9"/>
+              <p:cNvSpPr/>
+              <p:nvPr/>
+            </p:nvSpPr>
+            <p:spPr>
+              <a:xfrm>
+                <a:off x="1225685" y="732816"/>
+                <a:ext cx="1517515" cy="1342417"/>
+              </a:xfrm>
+              <a:prstGeom prst="roundRect">
+                <a:avLst/>
+              </a:prstGeom>
+            </p:spPr>
+            <p:style>
+              <a:lnRef idx="1">
+                <a:schemeClr val="accent5"/>
+              </a:lnRef>
+              <a:fillRef idx="2">
+                <a:schemeClr val="accent5"/>
+              </a:fillRef>
+              <a:effectRef idx="1">
+                <a:schemeClr val="accent5"/>
+              </a:effectRef>
+              <a:fontRef idx="minor">
+                <a:schemeClr val="dk1"/>
+              </a:fontRef>
+            </p:style>
+            <p:txBody>
+              <a:bodyPr rtlCol="0" anchor="ctr"/>
+              <a:lstStyle/>
+              <a:p>
+                <a:endParaRPr lang="en-US" sz="1100" dirty="0" smtClean="0"/>
+              </a:p>
+              <a:p>
+                <a:r>
+                  <a:rPr lang="en-US" sz="1100" dirty="0" smtClean="0"/>
+                  <a:t>String </a:t>
+                </a:r>
+                <a:r>
+                  <a:rPr lang="en-US" sz="1100" dirty="0" err="1" smtClean="0"/>
+                  <a:t>listingId</a:t>
+                </a:r>
+                <a:endParaRPr lang="en-US" sz="1100" dirty="0" smtClean="0"/>
+              </a:p>
+              <a:p>
+                <a:r>
+                  <a:rPr lang="en-US" sz="1100" dirty="0" smtClean="0"/>
+                  <a:t>Double </a:t>
+                </a:r>
+                <a:r>
+                  <a:rPr lang="en-US" sz="1100" dirty="0" err="1"/>
+                  <a:t>reservePrice</a:t>
+                </a:r>
+                <a:endParaRPr lang="en-US" sz="1100" dirty="0"/>
+              </a:p>
+              <a:p>
+                <a:r>
+                  <a:rPr lang="en-US" sz="1100" dirty="0" err="1" smtClean="0"/>
+                  <a:t>ListingState</a:t>
+                </a:r>
+                <a:r>
+                  <a:rPr lang="en-US" sz="1100" dirty="0" smtClean="0"/>
+                  <a:t> </a:t>
+                </a:r>
+                <a:r>
+                  <a:rPr lang="en-US" sz="1100" dirty="0"/>
+                  <a:t>state</a:t>
+                </a:r>
+              </a:p>
+              <a:p>
+                <a:r>
+                  <a:rPr lang="en-US" sz="1100" dirty="0" smtClean="0"/>
+                  <a:t>Offer</a:t>
+                </a:r>
+                <a:r>
+                  <a:rPr lang="en-US" sz="1100" dirty="0"/>
+                  <a:t>[] </a:t>
+                </a:r>
+                <a:r>
+                  <a:rPr lang="en-US" sz="1100" dirty="0" smtClean="0"/>
+                  <a:t>offers optional</a:t>
+                </a:r>
+                <a:endParaRPr lang="en-US" sz="1100" dirty="0"/>
+              </a:p>
+              <a:p>
+                <a:r>
+                  <a:rPr lang="en-US" sz="1100" dirty="0">
+                    <a:sym typeface="Wingdings" panose="05000000000000000000" pitchFamily="2" charset="2"/>
+                  </a:rPr>
+                  <a:t></a:t>
+                </a:r>
+                <a:r>
+                  <a:rPr lang="en-US" sz="1100" dirty="0" smtClean="0"/>
+                  <a:t> Product </a:t>
+                </a:r>
+                <a:r>
+                  <a:rPr lang="en-US" sz="1100" dirty="0" err="1"/>
+                  <a:t>product</a:t>
+                </a:r>
+                <a:endParaRPr lang="en-US" sz="1100" dirty="0"/>
+              </a:p>
+            </p:txBody>
+          </p:sp>
+          <p:sp>
+            <p:nvSpPr>
+              <p:cNvPr id="11" name="Rounded Rectangle 10"/>
+              <p:cNvSpPr/>
+              <p:nvPr/>
+            </p:nvSpPr>
+            <p:spPr>
+              <a:xfrm>
+                <a:off x="1225684" y="732817"/>
+                <a:ext cx="1517515" cy="324255"/>
+              </a:xfrm>
+              <a:prstGeom prst="roundRect">
+                <a:avLst/>
+              </a:prstGeom>
+            </p:spPr>
+            <p:style>
+              <a:lnRef idx="1">
+                <a:schemeClr val="accent5"/>
+              </a:lnRef>
+              <a:fillRef idx="2">
+                <a:schemeClr val="accent5"/>
+              </a:fillRef>
+              <a:effectRef idx="1">
+                <a:schemeClr val="accent5"/>
+              </a:effectRef>
+              <a:fontRef idx="minor">
+                <a:schemeClr val="dk1"/>
+              </a:fontRef>
+            </p:style>
+            <p:txBody>
+              <a:bodyPr rtlCol="0" anchor="ctr"/>
+              <a:lstStyle/>
+              <a:p>
+                <a:pPr algn="ctr"/>
+                <a:r>
+                  <a:rPr lang="en-US" sz="1400" dirty="0" err="1" smtClean="0"/>
+                  <a:t>ProductListing</a:t>
+                </a:r>
+                <a:endParaRPr lang="en-US" sz="1400" dirty="0"/>
+              </a:p>
+            </p:txBody>
+          </p:sp>
+        </p:grpSp>
+        <p:pic>
+          <p:nvPicPr>
+            <p:cNvPr id="22" name="Picture 21"/>
+            <p:cNvPicPr>
+              <a:picLocks noChangeAspect="1"/>
+            </p:cNvPicPr>
+            <p:nvPr/>
+          </p:nvPicPr>
+          <p:blipFill>
+            <a:blip r:embed="rId3" cstate="print">
+              <a:extLst>
+                <a:ext uri="{28A0092B-C50C-407E-A947-70E740481C1C}">
+                  <a14:useLocalDpi xmlns:a14="http://schemas.microsoft.com/office/drawing/2010/main" val="0"/>
+                </a:ext>
+              </a:extLst>
+            </a:blip>
+            <a:stretch>
+              <a:fillRect/>
+            </a:stretch>
+          </p:blipFill>
+          <p:spPr>
+            <a:xfrm>
+              <a:off x="3926729" y="1086255"/>
+              <a:ext cx="369854" cy="177417"/>
+            </a:xfrm>
+            <a:prstGeom prst="rect">
+              <a:avLst/>
+            </a:prstGeom>
+          </p:spPr>
+        </p:pic>
+      </p:grpSp>
+      <p:grpSp>
+        <p:nvGrpSpPr>
+          <p:cNvPr id="71" name="Group 70"/>
+          <p:cNvGrpSpPr/>
+          <p:nvPr/>
+        </p:nvGrpSpPr>
+        <p:grpSpPr>
+          <a:xfrm>
+            <a:off x="9782680" y="752270"/>
+            <a:ext cx="1517516" cy="1342417"/>
+            <a:chOff x="9795649" y="1210629"/>
+            <a:chExt cx="1517516" cy="1342417"/>
+          </a:xfrm>
+        </p:grpSpPr>
+        <p:grpSp>
+          <p:nvGrpSpPr>
+            <p:cNvPr id="12" name="Group 11"/>
+            <p:cNvGrpSpPr/>
+            <p:nvPr/>
+          </p:nvGrpSpPr>
+          <p:grpSpPr>
+            <a:xfrm>
+              <a:off x="9795649" y="1210629"/>
+              <a:ext cx="1517516" cy="1342417"/>
+              <a:chOff x="1225684" y="732816"/>
+              <a:chExt cx="1517516" cy="1342417"/>
+            </a:xfrm>
+          </p:grpSpPr>
+          <p:sp>
+            <p:nvSpPr>
+              <p:cNvPr id="13" name="Rounded Rectangle 12"/>
+              <p:cNvSpPr/>
+              <p:nvPr/>
+            </p:nvSpPr>
+            <p:spPr>
+              <a:xfrm>
+                <a:off x="1225685" y="732816"/>
+                <a:ext cx="1517515" cy="1342417"/>
+              </a:xfrm>
+              <a:prstGeom prst="roundRect">
+                <a:avLst/>
+              </a:prstGeom>
+            </p:spPr>
+            <p:style>
+              <a:lnRef idx="2">
+                <a:schemeClr val="accent2"/>
+              </a:lnRef>
+              <a:fillRef idx="1">
+                <a:schemeClr val="lt1"/>
+              </a:fillRef>
+              <a:effectRef idx="0">
+                <a:schemeClr val="accent2"/>
+              </a:effectRef>
+              <a:fontRef idx="minor">
+                <a:schemeClr val="dk1"/>
+              </a:fontRef>
+            </p:style>
+            <p:txBody>
+              <a:bodyPr rtlCol="0" anchor="ctr"/>
+              <a:lstStyle/>
+              <a:p>
+                <a:r>
+                  <a:rPr lang="en-US" sz="1100" dirty="0" smtClean="0"/>
+                  <a:t>String </a:t>
+                </a:r>
+                <a:r>
+                  <a:rPr lang="en-US" sz="1100" dirty="0"/>
+                  <a:t>email</a:t>
+                </a:r>
+              </a:p>
+              <a:p>
+                <a:r>
+                  <a:rPr lang="en-US" sz="1100" dirty="0" smtClean="0"/>
+                  <a:t>Double </a:t>
+                </a:r>
+                <a:r>
+                  <a:rPr lang="en-US" sz="1100" dirty="0"/>
+                  <a:t>balance</a:t>
+                </a:r>
+              </a:p>
+              <a:p>
+                <a:r>
+                  <a:rPr lang="en-US" sz="1100" dirty="0" smtClean="0"/>
+                  <a:t>Product</a:t>
+                </a:r>
+                <a:r>
+                  <a:rPr lang="en-US" sz="1100" dirty="0"/>
+                  <a:t>[] products</a:t>
+                </a:r>
+              </a:p>
+            </p:txBody>
+          </p:sp>
+          <p:sp>
+            <p:nvSpPr>
+              <p:cNvPr id="14" name="Rounded Rectangle 13"/>
+              <p:cNvSpPr/>
+              <p:nvPr/>
+            </p:nvSpPr>
+            <p:spPr>
+              <a:xfrm>
+                <a:off x="1225684" y="732817"/>
+                <a:ext cx="1517515" cy="324255"/>
+              </a:xfrm>
+              <a:prstGeom prst="roundRect">
+                <a:avLst/>
+              </a:prstGeom>
+            </p:spPr>
+            <p:style>
+              <a:lnRef idx="2">
+                <a:schemeClr val="accent2"/>
+              </a:lnRef>
+              <a:fillRef idx="1">
+                <a:schemeClr val="lt1"/>
+              </a:fillRef>
+              <a:effectRef idx="0">
+                <a:schemeClr val="accent2"/>
+              </a:effectRef>
+              <a:fontRef idx="minor">
+                <a:schemeClr val="dk1"/>
+              </a:fontRef>
+            </p:style>
+            <p:txBody>
+              <a:bodyPr rtlCol="0" anchor="ctr"/>
+              <a:lstStyle/>
+              <a:p>
+                <a:pPr algn="ctr"/>
+                <a:r>
+                  <a:rPr lang="en-US" sz="1400" dirty="0" smtClean="0"/>
+                  <a:t>User</a:t>
+                </a:r>
+                <a:endParaRPr lang="en-US" sz="1400" dirty="0"/>
+              </a:p>
+            </p:txBody>
+          </p:sp>
+        </p:grpSp>
+        <p:pic>
+          <p:nvPicPr>
+            <p:cNvPr id="25" name="Picture 24"/>
+            <p:cNvPicPr>
+              <a:picLocks noChangeAspect="1"/>
+            </p:cNvPicPr>
+            <p:nvPr/>
+          </p:nvPicPr>
+          <p:blipFill>
+            <a:blip r:embed="rId3" cstate="print">
+              <a:extLst>
+                <a:ext uri="{28A0092B-C50C-407E-A947-70E740481C1C}">
+                  <a14:useLocalDpi xmlns:a14="http://schemas.microsoft.com/office/drawing/2010/main" val="0"/>
+                </a:ext>
+              </a:extLst>
+            </a:blip>
+            <a:stretch>
+              <a:fillRect/>
+            </a:stretch>
+          </p:blipFill>
+          <p:spPr>
+            <a:xfrm>
+              <a:off x="10570519" y="1618955"/>
+              <a:ext cx="369854" cy="177417"/>
+            </a:xfrm>
+            <a:prstGeom prst="rect">
+              <a:avLst/>
+            </a:prstGeom>
+          </p:spPr>
+        </p:pic>
+      </p:grpSp>
+      <p:grpSp>
+        <p:nvGrpSpPr>
+          <p:cNvPr id="53" name="Group 52"/>
+          <p:cNvGrpSpPr/>
+          <p:nvPr/>
+        </p:nvGrpSpPr>
+        <p:grpSpPr>
+          <a:xfrm>
+            <a:off x="9789029" y="3639872"/>
+            <a:ext cx="1517516" cy="884295"/>
+            <a:chOff x="8359302" y="3149441"/>
+            <a:chExt cx="1517516" cy="884295"/>
+          </a:xfrm>
+        </p:grpSpPr>
+        <p:sp>
+          <p:nvSpPr>
+            <p:cNvPr id="44" name="Rounded Rectangle 43"/>
+            <p:cNvSpPr/>
+            <p:nvPr/>
+          </p:nvSpPr>
+          <p:spPr>
+            <a:xfrm>
+              <a:off x="8359303" y="3149441"/>
+              <a:ext cx="1517515" cy="884295"/>
+            </a:xfrm>
+            <a:prstGeom prst="roundRect">
+              <a:avLst/>
+            </a:prstGeom>
+          </p:spPr>
+          <p:style>
+            <a:lnRef idx="1">
+              <a:schemeClr val="accent2"/>
+            </a:lnRef>
+            <a:fillRef idx="2">
+              <a:schemeClr val="accent2"/>
+            </a:fillRef>
+            <a:effectRef idx="1">
+              <a:schemeClr val="accent2"/>
+            </a:effectRef>
+            <a:fontRef idx="minor">
+              <a:schemeClr val="dk1"/>
+            </a:fontRef>
+          </p:style>
+          <p:txBody>
+            <a:bodyPr rtlCol="0" anchor="ctr"/>
+            <a:lstStyle/>
+            <a:p>
+              <a:endParaRPr lang="en-US" sz="1100" dirty="0" smtClean="0"/>
+            </a:p>
+            <a:p>
+              <a:endParaRPr lang="en-US" sz="1100" dirty="0" smtClean="0"/>
+            </a:p>
+            <a:p>
+              <a:r>
+                <a:rPr lang="en-US" sz="1100" dirty="0" smtClean="0"/>
+                <a:t>String </a:t>
+              </a:r>
+              <a:r>
+                <a:rPr lang="en-US" sz="1100" dirty="0" err="1"/>
+                <a:t>firstName</a:t>
+              </a:r>
+              <a:endParaRPr lang="en-US" sz="1100" dirty="0"/>
+            </a:p>
+            <a:p>
+              <a:r>
+                <a:rPr lang="en-US" sz="1100" dirty="0" smtClean="0"/>
+                <a:t>String </a:t>
+              </a:r>
+              <a:r>
+                <a:rPr lang="en-US" sz="1100" dirty="0" err="1"/>
+                <a:t>lastName</a:t>
+              </a:r>
+              <a:endParaRPr lang="en-US" sz="1100" dirty="0"/>
+            </a:p>
+          </p:txBody>
+        </p:sp>
+        <p:sp>
+          <p:nvSpPr>
+            <p:cNvPr id="45" name="Rounded Rectangle 44"/>
+            <p:cNvSpPr/>
+            <p:nvPr/>
+          </p:nvSpPr>
+          <p:spPr>
+            <a:xfrm>
+              <a:off x="8359302" y="3149442"/>
+              <a:ext cx="1517515" cy="324255"/>
+            </a:xfrm>
+            <a:prstGeom prst="roundRect">
+              <a:avLst/>
+            </a:prstGeom>
+          </p:spPr>
+          <p:style>
+            <a:lnRef idx="1">
+              <a:schemeClr val="accent2"/>
+            </a:lnRef>
+            <a:fillRef idx="2">
+              <a:schemeClr val="accent2"/>
+            </a:fillRef>
+            <a:effectRef idx="1">
+              <a:schemeClr val="accent2"/>
+            </a:effectRef>
+            <a:fontRef idx="minor">
+              <a:schemeClr val="dk1"/>
+            </a:fontRef>
+          </p:style>
+          <p:txBody>
+            <a:bodyPr rtlCol="0" anchor="ctr"/>
+            <a:lstStyle/>
+            <a:p>
+              <a:pPr algn="ctr"/>
+              <a:r>
+                <a:rPr lang="en-US" sz="1400" dirty="0"/>
+                <a:t>Member</a:t>
+              </a:r>
+            </a:p>
+          </p:txBody>
+        </p:sp>
+      </p:grpSp>
+      <p:grpSp>
+        <p:nvGrpSpPr>
+          <p:cNvPr id="52" name="Group 51"/>
+          <p:cNvGrpSpPr/>
+          <p:nvPr/>
+        </p:nvGrpSpPr>
+        <p:grpSpPr>
+          <a:xfrm>
+            <a:off x="9798792" y="2360958"/>
+            <a:ext cx="1517516" cy="776132"/>
+            <a:chOff x="7185498" y="4703784"/>
+            <a:chExt cx="1517516" cy="776132"/>
+          </a:xfrm>
+        </p:grpSpPr>
+        <p:sp>
+          <p:nvSpPr>
+            <p:cNvPr id="47" name="Rounded Rectangle 46"/>
+            <p:cNvSpPr/>
+            <p:nvPr/>
+          </p:nvSpPr>
+          <p:spPr>
+            <a:xfrm>
+              <a:off x="7185499" y="4703784"/>
+              <a:ext cx="1517515" cy="776132"/>
+            </a:xfrm>
+            <a:prstGeom prst="roundRect">
+              <a:avLst/>
+            </a:prstGeom>
+          </p:spPr>
+          <p:style>
+            <a:lnRef idx="1">
+              <a:schemeClr val="accent2"/>
+            </a:lnRef>
+            <a:fillRef idx="2">
+              <a:schemeClr val="accent2"/>
+            </a:fillRef>
+            <a:effectRef idx="1">
+              <a:schemeClr val="accent2"/>
+            </a:effectRef>
+            <a:fontRef idx="minor">
+              <a:schemeClr val="dk1"/>
+            </a:fontRef>
+          </p:style>
+          <p:txBody>
+            <a:bodyPr rtlCol="0" anchor="ctr"/>
+            <a:lstStyle/>
+            <a:p>
+              <a:endParaRPr lang="en-US" sz="1100" dirty="0" smtClean="0"/>
+            </a:p>
+            <a:p>
+              <a:endParaRPr lang="en-US" sz="1100" dirty="0"/>
+            </a:p>
+            <a:p>
+              <a:r>
+                <a:rPr lang="en-US" sz="1100" dirty="0" smtClean="0"/>
+                <a:t>String </a:t>
+              </a:r>
+              <a:r>
+                <a:rPr lang="en-US" sz="1100" dirty="0" err="1"/>
+                <a:t>organisation</a:t>
+              </a:r>
+              <a:endParaRPr lang="en-US" sz="1100" dirty="0"/>
+            </a:p>
+          </p:txBody>
+        </p:sp>
+        <p:sp>
+          <p:nvSpPr>
+            <p:cNvPr id="48" name="Rounded Rectangle 47"/>
+            <p:cNvSpPr/>
+            <p:nvPr/>
+          </p:nvSpPr>
+          <p:spPr>
+            <a:xfrm>
+              <a:off x="7185498" y="4703784"/>
+              <a:ext cx="1517515" cy="333151"/>
+            </a:xfrm>
+            <a:prstGeom prst="roundRect">
+              <a:avLst/>
+            </a:prstGeom>
+          </p:spPr>
+          <p:style>
+            <a:lnRef idx="1">
+              <a:schemeClr val="accent2"/>
+            </a:lnRef>
+            <a:fillRef idx="2">
+              <a:schemeClr val="accent2"/>
+            </a:fillRef>
+            <a:effectRef idx="1">
+              <a:schemeClr val="accent2"/>
+            </a:effectRef>
+            <a:fontRef idx="minor">
+              <a:schemeClr val="dk1"/>
+            </a:fontRef>
+          </p:style>
+          <p:txBody>
+            <a:bodyPr rtlCol="0" anchor="ctr"/>
+            <a:lstStyle/>
+            <a:p>
+              <a:pPr algn="ctr"/>
+              <a:r>
+                <a:rPr lang="en-US" sz="1400" dirty="0"/>
+                <a:t>Seller</a:t>
+              </a:r>
+            </a:p>
+          </p:txBody>
+        </p:sp>
+      </p:grpSp>
+      <p:grpSp>
+        <p:nvGrpSpPr>
+          <p:cNvPr id="54" name="Group 53"/>
+          <p:cNvGrpSpPr/>
+          <p:nvPr/>
+        </p:nvGrpSpPr>
+        <p:grpSpPr>
+          <a:xfrm>
+            <a:off x="5342385" y="3757765"/>
+            <a:ext cx="1955261" cy="1113236"/>
+            <a:chOff x="4134254" y="3601436"/>
+            <a:chExt cx="1955261" cy="1113236"/>
+          </a:xfrm>
+        </p:grpSpPr>
+        <p:sp>
+          <p:nvSpPr>
+            <p:cNvPr id="50" name="Rounded Rectangle 49"/>
+            <p:cNvSpPr/>
+            <p:nvPr/>
+          </p:nvSpPr>
+          <p:spPr>
+            <a:xfrm>
+              <a:off x="4134255" y="3601436"/>
+              <a:ext cx="1955260" cy="1113236"/>
+            </a:xfrm>
+            <a:prstGeom prst="roundRect">
+              <a:avLst/>
+            </a:prstGeom>
+          </p:spPr>
+          <p:style>
+            <a:lnRef idx="1">
+              <a:schemeClr val="accent6"/>
+            </a:lnRef>
+            <a:fillRef idx="2">
+              <a:schemeClr val="accent6"/>
+            </a:fillRef>
+            <a:effectRef idx="1">
+              <a:schemeClr val="accent6"/>
+            </a:effectRef>
+            <a:fontRef idx="minor">
+              <a:schemeClr val="dk1"/>
+            </a:fontRef>
+          </p:style>
+          <p:txBody>
+            <a:bodyPr rtlCol="0" anchor="ctr"/>
+            <a:lstStyle/>
+            <a:p>
+              <a:endParaRPr lang="en-US" sz="1100" dirty="0" smtClean="0"/>
+            </a:p>
+            <a:p>
+              <a:endParaRPr lang="en-US" sz="1100" dirty="0"/>
+            </a:p>
+            <a:p>
+              <a:r>
+                <a:rPr lang="en-US" sz="1100" dirty="0" smtClean="0"/>
+                <a:t>Double </a:t>
+              </a:r>
+              <a:r>
+                <a:rPr lang="en-US" sz="1100" dirty="0" err="1"/>
+                <a:t>bidPrice</a:t>
+              </a:r>
+              <a:endParaRPr lang="en-US" sz="1100" dirty="0"/>
+            </a:p>
+            <a:p>
+              <a:r>
+                <a:rPr lang="en-US" sz="1100" dirty="0">
+                  <a:sym typeface="Wingdings" panose="05000000000000000000" pitchFamily="2" charset="2"/>
+                </a:rPr>
+                <a:t> </a:t>
+              </a:r>
+              <a:r>
+                <a:rPr lang="en-US" sz="1100" dirty="0" err="1" smtClean="0"/>
+                <a:t>ProductListing</a:t>
+              </a:r>
+              <a:r>
+                <a:rPr lang="en-US" sz="1100" dirty="0" smtClean="0"/>
+                <a:t> </a:t>
+              </a:r>
+              <a:r>
+                <a:rPr lang="en-US" sz="1100" dirty="0"/>
+                <a:t>listing</a:t>
+              </a:r>
+            </a:p>
+            <a:p>
+              <a:r>
+                <a:rPr lang="en-US" sz="1100" dirty="0">
+                  <a:sym typeface="Wingdings" panose="05000000000000000000" pitchFamily="2" charset="2"/>
+                </a:rPr>
+                <a:t> </a:t>
+              </a:r>
+              <a:r>
+                <a:rPr lang="en-US" sz="1100" dirty="0" smtClean="0"/>
+                <a:t>User </a:t>
+              </a:r>
+              <a:r>
+                <a:rPr lang="en-US" sz="1100" dirty="0"/>
+                <a:t>member</a:t>
+              </a:r>
+            </a:p>
+          </p:txBody>
+        </p:sp>
+        <p:sp>
+          <p:nvSpPr>
+            <p:cNvPr id="51" name="Rounded Rectangle 50"/>
+            <p:cNvSpPr/>
+            <p:nvPr/>
+          </p:nvSpPr>
+          <p:spPr>
+            <a:xfrm>
+              <a:off x="4134254" y="3601436"/>
+              <a:ext cx="1955260" cy="324255"/>
+            </a:xfrm>
+            <a:prstGeom prst="roundRect">
+              <a:avLst/>
+            </a:prstGeom>
+          </p:spPr>
+          <p:style>
+            <a:lnRef idx="1">
+              <a:schemeClr val="accent6"/>
+            </a:lnRef>
+            <a:fillRef idx="2">
+              <a:schemeClr val="accent6"/>
+            </a:fillRef>
+            <a:effectRef idx="1">
+              <a:schemeClr val="accent6"/>
+            </a:effectRef>
+            <a:fontRef idx="minor">
+              <a:schemeClr val="dk1"/>
+            </a:fontRef>
+          </p:style>
+          <p:txBody>
+            <a:bodyPr rtlCol="0" anchor="ctr"/>
+            <a:lstStyle/>
+            <a:p>
+              <a:pPr algn="ctr"/>
+              <a:r>
+                <a:rPr lang="en-US" sz="1400" dirty="0"/>
+                <a:t>Offer</a:t>
+              </a:r>
+            </a:p>
+          </p:txBody>
+        </p:sp>
+      </p:grpSp>
+      <p:grpSp>
+        <p:nvGrpSpPr>
+          <p:cNvPr id="55" name="Group 54"/>
+          <p:cNvGrpSpPr/>
+          <p:nvPr/>
+        </p:nvGrpSpPr>
+        <p:grpSpPr>
+          <a:xfrm>
+            <a:off x="5365182" y="2304423"/>
+            <a:ext cx="1955261" cy="1113236"/>
+            <a:chOff x="4134254" y="3601436"/>
+            <a:chExt cx="1955261" cy="1113236"/>
+          </a:xfrm>
+        </p:grpSpPr>
+        <p:sp>
+          <p:nvSpPr>
+            <p:cNvPr id="56" name="Rounded Rectangle 55"/>
+            <p:cNvSpPr/>
+            <p:nvPr/>
+          </p:nvSpPr>
+          <p:spPr>
+            <a:xfrm>
+              <a:off x="4134255" y="3601436"/>
+              <a:ext cx="1955260" cy="1113236"/>
+            </a:xfrm>
+            <a:prstGeom prst="roundRect">
+              <a:avLst/>
+            </a:prstGeom>
+          </p:spPr>
+          <p:style>
+            <a:lnRef idx="1">
+              <a:schemeClr val="accent6"/>
+            </a:lnRef>
+            <a:fillRef idx="2">
+              <a:schemeClr val="accent6"/>
+            </a:fillRef>
+            <a:effectRef idx="1">
+              <a:schemeClr val="accent6"/>
+            </a:effectRef>
+            <a:fontRef idx="minor">
+              <a:schemeClr val="dk1"/>
+            </a:fontRef>
+          </p:style>
+          <p:txBody>
+            <a:bodyPr rtlCol="0" anchor="ctr"/>
+            <a:lstStyle/>
+            <a:p>
+              <a:endParaRPr lang="en-US" sz="1100" dirty="0" smtClean="0"/>
+            </a:p>
+            <a:p>
+              <a:r>
+                <a:rPr lang="en-US" sz="1100" dirty="0" smtClean="0"/>
+                <a:t>String </a:t>
+              </a:r>
+              <a:r>
+                <a:rPr lang="en-US" sz="1100" dirty="0" err="1"/>
+                <a:t>listingId</a:t>
+              </a:r>
+              <a:endParaRPr lang="en-US" sz="1100" dirty="0"/>
+            </a:p>
+            <a:p>
+              <a:r>
+                <a:rPr lang="en-US" sz="1100" dirty="0" smtClean="0"/>
+                <a:t>Double </a:t>
+              </a:r>
+              <a:r>
+                <a:rPr lang="en-US" sz="1100" dirty="0" err="1"/>
+                <a:t>reservePrice</a:t>
+              </a:r>
+              <a:endParaRPr lang="en-US" sz="1100" dirty="0"/>
+            </a:p>
+            <a:p>
+              <a:r>
+                <a:rPr lang="en-US" sz="1100" dirty="0">
+                  <a:sym typeface="Wingdings" panose="05000000000000000000" pitchFamily="2" charset="2"/>
+                </a:rPr>
+                <a:t> </a:t>
+              </a:r>
+              <a:r>
+                <a:rPr lang="en-US" sz="1100" dirty="0" smtClean="0"/>
+                <a:t>Product </a:t>
+              </a:r>
+              <a:r>
+                <a:rPr lang="en-US" sz="1100" dirty="0" err="1"/>
+                <a:t>product</a:t>
+              </a:r>
+              <a:endParaRPr lang="en-US" sz="1100" dirty="0"/>
+            </a:p>
+          </p:txBody>
+        </p:sp>
+        <p:sp>
+          <p:nvSpPr>
+            <p:cNvPr id="57" name="Rounded Rectangle 56"/>
+            <p:cNvSpPr/>
+            <p:nvPr/>
+          </p:nvSpPr>
+          <p:spPr>
+            <a:xfrm>
+              <a:off x="4134254" y="3601436"/>
+              <a:ext cx="1955260" cy="324255"/>
+            </a:xfrm>
+            <a:prstGeom prst="roundRect">
+              <a:avLst/>
+            </a:prstGeom>
+          </p:spPr>
+          <p:style>
+            <a:lnRef idx="1">
+              <a:schemeClr val="accent6"/>
+            </a:lnRef>
+            <a:fillRef idx="2">
+              <a:schemeClr val="accent6"/>
+            </a:fillRef>
+            <a:effectRef idx="1">
+              <a:schemeClr val="accent6"/>
+            </a:effectRef>
+            <a:fontRef idx="minor">
+              <a:schemeClr val="dk1"/>
+            </a:fontRef>
+          </p:style>
+          <p:txBody>
+            <a:bodyPr rtlCol="0" anchor="ctr"/>
+            <a:lstStyle/>
+            <a:p>
+              <a:pPr algn="ctr"/>
+              <a:r>
+                <a:rPr lang="en-US" sz="1400" dirty="0" err="1"/>
+                <a:t>StartBidding</a:t>
+              </a:r>
+              <a:endParaRPr lang="en-US" sz="1400" dirty="0"/>
+            </a:p>
+          </p:txBody>
+        </p:sp>
+      </p:grpSp>
+      <p:grpSp>
+        <p:nvGrpSpPr>
+          <p:cNvPr id="70" name="Group 69"/>
+          <p:cNvGrpSpPr/>
+          <p:nvPr/>
+        </p:nvGrpSpPr>
+        <p:grpSpPr>
+          <a:xfrm>
+            <a:off x="5365182" y="5316927"/>
+            <a:ext cx="1955261" cy="811089"/>
+            <a:chOff x="1945529" y="5155209"/>
+            <a:chExt cx="1955261" cy="811089"/>
+          </a:xfrm>
+        </p:grpSpPr>
+        <p:sp>
+          <p:nvSpPr>
+            <p:cNvPr id="59" name="Rounded Rectangle 58"/>
+            <p:cNvSpPr/>
+            <p:nvPr/>
+          </p:nvSpPr>
+          <p:spPr>
+            <a:xfrm>
+              <a:off x="1945530" y="5155209"/>
+              <a:ext cx="1955260" cy="811089"/>
+            </a:xfrm>
+            <a:prstGeom prst="roundRect">
+              <a:avLst/>
+            </a:prstGeom>
+          </p:spPr>
+          <p:style>
+            <a:lnRef idx="1">
+              <a:schemeClr val="accent6"/>
+            </a:lnRef>
+            <a:fillRef idx="2">
+              <a:schemeClr val="accent6"/>
+            </a:fillRef>
+            <a:effectRef idx="1">
+              <a:schemeClr val="accent6"/>
+            </a:effectRef>
+            <a:fontRef idx="minor">
+              <a:schemeClr val="dk1"/>
+            </a:fontRef>
+          </p:style>
+          <p:txBody>
+            <a:bodyPr rtlCol="0" anchor="ctr"/>
+            <a:lstStyle/>
+            <a:p>
+              <a:endParaRPr lang="en-US" sz="1100" dirty="0" smtClean="0"/>
+            </a:p>
+            <a:p>
+              <a:r>
+                <a:rPr lang="en-US" sz="1100" dirty="0">
+                  <a:sym typeface="Wingdings" panose="05000000000000000000" pitchFamily="2" charset="2"/>
+                </a:rPr>
+                <a:t></a:t>
+              </a:r>
+              <a:r>
+                <a:rPr lang="en-US" sz="1100" dirty="0" smtClean="0"/>
+                <a:t> </a:t>
+              </a:r>
+              <a:r>
+                <a:rPr lang="en-US" sz="1100" dirty="0" err="1"/>
+                <a:t>ProductListing</a:t>
+              </a:r>
+              <a:r>
+                <a:rPr lang="en-US" sz="1100" dirty="0"/>
+                <a:t> listing</a:t>
+              </a:r>
+            </a:p>
+          </p:txBody>
+        </p:sp>
+        <p:sp>
+          <p:nvSpPr>
+            <p:cNvPr id="60" name="Rounded Rectangle 59"/>
+            <p:cNvSpPr/>
+            <p:nvPr/>
+          </p:nvSpPr>
+          <p:spPr>
+            <a:xfrm>
+              <a:off x="1945529" y="5155209"/>
+              <a:ext cx="1955260" cy="324255"/>
+            </a:xfrm>
+            <a:prstGeom prst="roundRect">
+              <a:avLst/>
+            </a:prstGeom>
+          </p:spPr>
+          <p:style>
+            <a:lnRef idx="1">
+              <a:schemeClr val="accent6"/>
+            </a:lnRef>
+            <a:fillRef idx="2">
+              <a:schemeClr val="accent6"/>
+            </a:fillRef>
+            <a:effectRef idx="1">
+              <a:schemeClr val="accent6"/>
+            </a:effectRef>
+            <a:fontRef idx="minor">
+              <a:schemeClr val="dk1"/>
+            </a:fontRef>
+          </p:style>
+          <p:txBody>
+            <a:bodyPr rtlCol="0" anchor="ctr"/>
+            <a:lstStyle/>
+            <a:p>
+              <a:pPr algn="ctr"/>
+              <a:r>
+                <a:rPr lang="en-US" sz="1400" dirty="0" err="1"/>
+                <a:t>CloseBidding</a:t>
+              </a:r>
+              <a:endParaRPr lang="en-US" sz="1400" dirty="0"/>
+            </a:p>
+          </p:txBody>
+        </p:sp>
+      </p:grpSp>
+      <p:grpSp>
+        <p:nvGrpSpPr>
+          <p:cNvPr id="67" name="Group 66"/>
+          <p:cNvGrpSpPr/>
+          <p:nvPr/>
+        </p:nvGrpSpPr>
+        <p:grpSpPr>
+          <a:xfrm>
+            <a:off x="5365183" y="752270"/>
+            <a:ext cx="1955261" cy="1113236"/>
+            <a:chOff x="4134254" y="3601436"/>
+            <a:chExt cx="1955261" cy="1113236"/>
+          </a:xfrm>
+        </p:grpSpPr>
+        <p:sp>
+          <p:nvSpPr>
+            <p:cNvPr id="68" name="Rounded Rectangle 67"/>
+            <p:cNvSpPr/>
+            <p:nvPr/>
+          </p:nvSpPr>
+          <p:spPr>
+            <a:xfrm>
+              <a:off x="4134255" y="3601436"/>
+              <a:ext cx="1955260" cy="1113236"/>
+            </a:xfrm>
+            <a:prstGeom prst="roundRect">
+              <a:avLst/>
+            </a:prstGeom>
+          </p:spPr>
+          <p:style>
+            <a:lnRef idx="1">
+              <a:schemeClr val="accent6"/>
+            </a:lnRef>
+            <a:fillRef idx="2">
+              <a:schemeClr val="accent6"/>
+            </a:fillRef>
+            <a:effectRef idx="1">
+              <a:schemeClr val="accent6"/>
+            </a:effectRef>
+            <a:fontRef idx="minor">
+              <a:schemeClr val="dk1"/>
+            </a:fontRef>
+          </p:style>
+          <p:txBody>
+            <a:bodyPr rtlCol="0" anchor="ctr"/>
+            <a:lstStyle/>
+            <a:p>
+              <a:endParaRPr lang="en-US" sz="1100" dirty="0" smtClean="0"/>
+            </a:p>
+            <a:p>
+              <a:r>
+                <a:rPr lang="en-US" sz="1100" dirty="0" smtClean="0"/>
+                <a:t>String </a:t>
+              </a:r>
+              <a:r>
+                <a:rPr lang="en-US" sz="1100" dirty="0" err="1"/>
+                <a:t>productId</a:t>
+              </a:r>
+              <a:endParaRPr lang="en-US" sz="1100" dirty="0"/>
+            </a:p>
+            <a:p>
+              <a:r>
+                <a:rPr lang="en-US" sz="1100" dirty="0" smtClean="0"/>
+                <a:t>String </a:t>
+              </a:r>
+              <a:r>
+                <a:rPr lang="en-US" sz="1100" dirty="0"/>
+                <a:t>description</a:t>
+              </a:r>
+            </a:p>
+            <a:p>
+              <a:r>
+                <a:rPr lang="en-US" sz="1100" dirty="0">
+                  <a:sym typeface="Wingdings" panose="05000000000000000000" pitchFamily="2" charset="2"/>
+                </a:rPr>
+                <a:t> </a:t>
+              </a:r>
+              <a:r>
+                <a:rPr lang="en-US" sz="1100" dirty="0" smtClean="0"/>
+                <a:t>Seller </a:t>
+              </a:r>
+              <a:r>
+                <a:rPr lang="en-US" sz="1100" dirty="0"/>
+                <a:t>owner</a:t>
+              </a:r>
+            </a:p>
+          </p:txBody>
+        </p:sp>
+        <p:sp>
+          <p:nvSpPr>
+            <p:cNvPr id="69" name="Rounded Rectangle 68"/>
+            <p:cNvSpPr/>
+            <p:nvPr/>
+          </p:nvSpPr>
+          <p:spPr>
+            <a:xfrm>
+              <a:off x="4134254" y="3601436"/>
+              <a:ext cx="1955260" cy="324255"/>
+            </a:xfrm>
+            <a:prstGeom prst="roundRect">
+              <a:avLst/>
+            </a:prstGeom>
+          </p:spPr>
+          <p:style>
+            <a:lnRef idx="1">
+              <a:schemeClr val="accent6"/>
+            </a:lnRef>
+            <a:fillRef idx="2">
+              <a:schemeClr val="accent6"/>
+            </a:fillRef>
+            <a:effectRef idx="1">
+              <a:schemeClr val="accent6"/>
+            </a:effectRef>
+            <a:fontRef idx="minor">
+              <a:schemeClr val="dk1"/>
+            </a:fontRef>
+          </p:style>
+          <p:txBody>
+            <a:bodyPr rtlCol="0" anchor="ctr"/>
+            <a:lstStyle/>
+            <a:p>
+              <a:pPr algn="ctr"/>
+              <a:r>
+                <a:rPr lang="en-US" sz="1400" dirty="0" err="1"/>
+                <a:t>AddProduct</a:t>
+              </a:r>
+              <a:endParaRPr lang="en-US" sz="1400" dirty="0"/>
+            </a:p>
+          </p:txBody>
+        </p:sp>
+      </p:grpSp>
+      <p:cxnSp>
+        <p:nvCxnSpPr>
+          <p:cNvPr id="73" name="Elbow Connector 72"/>
+          <p:cNvCxnSpPr/>
+          <p:nvPr/>
+        </p:nvCxnSpPr>
+        <p:spPr>
+          <a:xfrm>
+            <a:off x="11296781" y="898748"/>
+            <a:ext cx="16113" cy="1834625"/>
+          </a:xfrm>
+          <a:prstGeom prst="bentConnector3">
+            <a:avLst>
+              <a:gd name="adj1" fmla="val 1558977"/>
+            </a:avLst>
+          </a:prstGeom>
+          <a:ln>
+            <a:tailEnd type="triangle"/>
+          </a:ln>
+        </p:spPr>
+        <p:style>
+          <a:lnRef idx="2">
+            <a:schemeClr val="accent2"/>
+          </a:lnRef>
+          <a:fillRef idx="0">
+            <a:schemeClr val="accent2"/>
+          </a:fillRef>
+          <a:effectRef idx="1">
+            <a:schemeClr val="accent2"/>
+          </a:effectRef>
+          <a:fontRef idx="minor">
+            <a:schemeClr val="tx1"/>
+          </a:fontRef>
+        </p:style>
+      </p:cxnSp>
+      <p:cxnSp>
+        <p:nvCxnSpPr>
+          <p:cNvPr id="75" name="Elbow Connector 74"/>
+          <p:cNvCxnSpPr/>
+          <p:nvPr/>
+        </p:nvCxnSpPr>
+        <p:spPr>
+          <a:xfrm flipH="1">
+            <a:off x="11322657" y="904157"/>
+            <a:ext cx="1" cy="2966426"/>
+          </a:xfrm>
+          <a:prstGeom prst="bentConnector3">
+            <a:avLst>
+              <a:gd name="adj1" fmla="val -22860000000"/>
+            </a:avLst>
+          </a:prstGeom>
+          <a:ln>
+            <a:tailEnd type="triangle"/>
+          </a:ln>
+        </p:spPr>
+        <p:style>
+          <a:lnRef idx="2">
+            <a:schemeClr val="accent2"/>
+          </a:lnRef>
+          <a:fillRef idx="0">
+            <a:schemeClr val="accent2"/>
+          </a:fillRef>
+          <a:effectRef idx="1">
+            <a:schemeClr val="accent2"/>
+          </a:effectRef>
+          <a:fontRef idx="minor">
+            <a:schemeClr val="tx1"/>
+          </a:fontRef>
+        </p:style>
+      </p:cxnSp>
+      <p:cxnSp>
+        <p:nvCxnSpPr>
+          <p:cNvPr id="79" name="Elbow Connector 78"/>
+          <p:cNvCxnSpPr>
+            <a:endCxn id="4" idx="1"/>
+          </p:cNvCxnSpPr>
+          <p:nvPr/>
+        </p:nvCxnSpPr>
+        <p:spPr>
+          <a:xfrm rot="5400000">
+            <a:off x="869723" y="2766760"/>
+            <a:ext cx="1277666" cy="12700"/>
+          </a:xfrm>
+          <a:prstGeom prst="bentConnector4">
+            <a:avLst>
+              <a:gd name="adj1" fmla="val 1076"/>
+              <a:gd name="adj2" fmla="val 3355323"/>
+            </a:avLst>
+          </a:prstGeom>
+          <a:ln w="19050">
+            <a:prstDash val="sysDash"/>
+            <a:tailEnd type="triangle"/>
+          </a:ln>
+        </p:spPr>
+        <p:style>
+          <a:lnRef idx="1">
+            <a:schemeClr val="accent1"/>
+          </a:lnRef>
+          <a:fillRef idx="0">
+            <a:schemeClr val="accent1"/>
+          </a:fillRef>
+          <a:effectRef idx="0">
+            <a:schemeClr val="accent1"/>
+          </a:effectRef>
+          <a:fontRef idx="minor">
+            <a:schemeClr val="tx1"/>
+          </a:fontRef>
+        </p:style>
+      </p:cxnSp>
+      <p:cxnSp>
+        <p:nvCxnSpPr>
+          <p:cNvPr id="87" name="Elbow Connector 86"/>
+          <p:cNvCxnSpPr/>
+          <p:nvPr/>
+        </p:nvCxnSpPr>
+        <p:spPr>
+          <a:xfrm flipV="1">
+            <a:off x="3317899" y="700199"/>
+            <a:ext cx="7223538" cy="2653322"/>
+          </a:xfrm>
+          <a:prstGeom prst="bentConnector4">
+            <a:avLst>
+              <a:gd name="adj1" fmla="val 7041"/>
+              <a:gd name="adj2" fmla="val 108616"/>
+            </a:avLst>
+          </a:prstGeom>
+          <a:ln w="19050">
+            <a:prstDash val="sysDash"/>
+            <a:tailEnd type="triangle"/>
+          </a:ln>
+        </p:spPr>
+        <p:style>
+          <a:lnRef idx="1">
+            <a:schemeClr val="accent1"/>
+          </a:lnRef>
+          <a:fillRef idx="0">
+            <a:schemeClr val="accent1"/>
+          </a:fillRef>
+          <a:effectRef idx="0">
+            <a:schemeClr val="accent1"/>
+          </a:effectRef>
+          <a:fontRef idx="minor">
+            <a:schemeClr val="tx1"/>
+          </a:fontRef>
+        </p:style>
+      </p:cxnSp>
+      <p:cxnSp>
+        <p:nvCxnSpPr>
+          <p:cNvPr id="95" name="Elbow Connector 94"/>
+          <p:cNvCxnSpPr>
+            <a:endCxn id="48" idx="1"/>
+          </p:cNvCxnSpPr>
+          <p:nvPr/>
+        </p:nvCxnSpPr>
+        <p:spPr>
+          <a:xfrm>
+            <a:off x="7325158" y="1648933"/>
+            <a:ext cx="2473634" cy="878601"/>
+          </a:xfrm>
+          <a:prstGeom prst="bentConnector3">
+            <a:avLst/>
+          </a:prstGeom>
+          <a:ln w="19050">
+            <a:prstDash val="sysDash"/>
+            <a:tailEnd type="triangle"/>
+          </a:ln>
+        </p:spPr>
+        <p:style>
+          <a:lnRef idx="1">
+            <a:schemeClr val="accent1"/>
+          </a:lnRef>
+          <a:fillRef idx="0">
+            <a:schemeClr val="accent1"/>
+          </a:fillRef>
+          <a:effectRef idx="0">
+            <a:schemeClr val="accent1"/>
+          </a:effectRef>
+          <a:fontRef idx="minor">
+            <a:schemeClr val="tx1"/>
+          </a:fontRef>
+        </p:style>
+      </p:cxnSp>
+      <p:cxnSp>
+        <p:nvCxnSpPr>
+          <p:cNvPr id="98" name="Elbow Connector 97"/>
+          <p:cNvCxnSpPr/>
+          <p:nvPr/>
+        </p:nvCxnSpPr>
+        <p:spPr>
+          <a:xfrm rot="10800000" flipV="1">
+            <a:off x="3317900" y="3126711"/>
+            <a:ext cx="2031170" cy="363879"/>
+          </a:xfrm>
+          <a:prstGeom prst="bentConnector3">
+            <a:avLst>
+              <a:gd name="adj1" fmla="val 50000"/>
+            </a:avLst>
+          </a:prstGeom>
+          <a:ln w="19050">
+            <a:prstDash val="sysDash"/>
+            <a:tailEnd type="triangle"/>
+          </a:ln>
+        </p:spPr>
+        <p:style>
+          <a:lnRef idx="1">
+            <a:schemeClr val="accent1"/>
+          </a:lnRef>
+          <a:fillRef idx="0">
+            <a:schemeClr val="accent1"/>
+          </a:fillRef>
+          <a:effectRef idx="0">
+            <a:schemeClr val="accent1"/>
+          </a:effectRef>
+          <a:fontRef idx="minor">
+            <a:schemeClr val="tx1"/>
+          </a:fontRef>
+        </p:style>
+      </p:cxnSp>
+      <p:cxnSp>
+        <p:nvCxnSpPr>
+          <p:cNvPr id="105" name="Elbow Connector 104"/>
+          <p:cNvCxnSpPr/>
+          <p:nvPr/>
+        </p:nvCxnSpPr>
+        <p:spPr>
+          <a:xfrm rot="10800000">
+            <a:off x="1536430" y="1164487"/>
+            <a:ext cx="3833830" cy="3329494"/>
+          </a:xfrm>
+          <a:prstGeom prst="bentConnector3">
+            <a:avLst>
+              <a:gd name="adj1" fmla="val 116620"/>
+            </a:avLst>
+          </a:prstGeom>
+          <a:ln w="19050">
+            <a:prstDash val="sysDash"/>
+            <a:tailEnd type="triangle"/>
+          </a:ln>
+        </p:spPr>
+        <p:style>
+          <a:lnRef idx="1">
+            <a:schemeClr val="accent1"/>
+          </a:lnRef>
+          <a:fillRef idx="0">
+            <a:schemeClr val="accent1"/>
+          </a:fillRef>
+          <a:effectRef idx="0">
+            <a:schemeClr val="accent1"/>
+          </a:effectRef>
+          <a:fontRef idx="minor">
+            <a:schemeClr val="tx1"/>
+          </a:fontRef>
+        </p:style>
+      </p:cxnSp>
+      <p:cxnSp>
+        <p:nvCxnSpPr>
+          <p:cNvPr id="110" name="Elbow Connector 109"/>
+          <p:cNvCxnSpPr/>
+          <p:nvPr/>
+        </p:nvCxnSpPr>
+        <p:spPr>
+          <a:xfrm flipV="1">
+            <a:off x="7297643" y="782520"/>
+            <a:ext cx="4008902" cy="3875256"/>
+          </a:xfrm>
+          <a:prstGeom prst="bentConnector3">
+            <a:avLst>
+              <a:gd name="adj1" fmla="val 112604"/>
+            </a:avLst>
+          </a:prstGeom>
+          <a:ln w="19050">
+            <a:prstDash val="sysDash"/>
+            <a:tailEnd type="triangle"/>
+          </a:ln>
+        </p:spPr>
+        <p:style>
+          <a:lnRef idx="1">
+            <a:schemeClr val="accent1"/>
+          </a:lnRef>
+          <a:fillRef idx="0">
+            <a:schemeClr val="accent1"/>
+          </a:fillRef>
+          <a:effectRef idx="0">
+            <a:schemeClr val="accent1"/>
+          </a:effectRef>
+          <a:fontRef idx="minor">
+            <a:schemeClr val="tx1"/>
+          </a:fontRef>
+        </p:style>
+      </p:cxnSp>
+      <p:cxnSp>
+        <p:nvCxnSpPr>
+          <p:cNvPr id="118" name="Elbow Connector 117"/>
+          <p:cNvCxnSpPr>
+            <a:stCxn id="59" idx="1"/>
+            <a:endCxn id="11" idx="1"/>
+          </p:cNvCxnSpPr>
+          <p:nvPr/>
+        </p:nvCxnSpPr>
+        <p:spPr>
+          <a:xfrm rot="10800000">
+            <a:off x="1508557" y="984890"/>
+            <a:ext cx="3856627" cy="4737583"/>
+          </a:xfrm>
+          <a:prstGeom prst="bentConnector3">
+            <a:avLst>
+              <a:gd name="adj1" fmla="val 121229"/>
+            </a:avLst>
+          </a:prstGeom>
+          <a:ln w="19050">
+            <a:prstDash val="sysDash"/>
+            <a:tailEnd type="triangle"/>
+          </a:ln>
+        </p:spPr>
+        <p:style>
+          <a:lnRef idx="1">
+            <a:schemeClr val="accent1"/>
+          </a:lnRef>
+          <a:fillRef idx="0">
+            <a:schemeClr val="accent1"/>
+          </a:fillRef>
+          <a:effectRef idx="0">
+            <a:schemeClr val="accent1"/>
+          </a:effectRef>
+          <a:fontRef idx="minor">
+            <a:schemeClr val="tx1"/>
+          </a:fontRef>
+        </p:style>
+      </p:cxnSp>
+    </p:spTree>
+    <p:extLst>
+      <p:ext uri="{BB962C8B-B14F-4D97-AF65-F5344CB8AC3E}">
+        <p14:creationId xmlns:p14="http://schemas.microsoft.com/office/powerpoint/2010/main" val="206969356"/>
+      </p:ext>
+    </p:extLst>
+  </p:cSld>
+  <p:clrMapOvr>
+    <a:masterClrMapping/>
+  </p:clrMapOvr>
+  <p:timing>
+    <p:tnLst>
+      <p:par>
+        <p:cTn id="1" dur="indefinite" restart="never" nodeType="tmRoot"/>
+      </p:par>
+    </p:tnLst>
+  </p:timing>
+</p:sld>
+</file>
+
+<file path=ppt/slides/slide5.xml><?xml version="1.0" encoding="utf-8"?>
+<p:sld xmlns:a="http://schemas.openxmlformats.org/drawingml/2006/main" xmlns:r="http://schemas.openxmlformats.org/officeDocument/2006/relationships" xmlns:p="http://schemas.openxmlformats.org/presentationml/2006/main">
+  <p:cSld>
+    <p:spTree>
+      <p:nvGrpSpPr>
+        <p:cNvPr id="1" name=""/>
+        <p:cNvGrpSpPr/>
+        <p:nvPr/>
+      </p:nvGrpSpPr>
+      <p:grpSpPr>
+        <a:xfrm>
+          <a:off x="0" y="0"/>
+          <a:ext cx="0" cy="0"/>
+          <a:chOff x="0" y="0"/>
+          <a:chExt cx="0" cy="0"/>
+        </a:xfrm>
+      </p:grpSpPr>
       <p:sp>
         <p:nvSpPr>
           <p:cNvPr id="2" name="Title 1"/>
